--- a/CCNA_v5_0_Chapter09_2019_03_03.pptx
+++ b/CCNA_v5_0_Chapter09_2019_03_03.pptx
@@ -4958,7 +4958,7 @@
                 <a:spcPct val="100000"/>
               </a:lnSpc>
             </a:pPr>
-            <a:fld id="{327856CD-7207-49F6-8475-C712A11B8E55}" type="slidenum">
+            <a:fld id="{690029E4-3A08-44D3-8784-5B810EE18E50}" type="slidenum">
               <a:rPr lang="en-US" sz="1000" spc="-4" strike="noStrike">
                 <a:solidFill>
                   <a:srgbClr val="d2d2d2"/>
@@ -5590,7 +5590,7 @@
                 <a:spcPct val="100000"/>
               </a:lnSpc>
             </a:pPr>
-            <a:fld id="{51133CEF-5C72-4078-A8E6-CB21C0D1CF79}" type="slidenum">
+            <a:fld id="{5A5404A1-3D69-49EC-99F7-4527E3D74B0E}" type="slidenum">
               <a:rPr lang="en-US" sz="1000" spc="-4" strike="noStrike">
                 <a:solidFill>
                   <a:srgbClr val="d2d2d2"/>
@@ -5938,7 +5938,7 @@
                 <a:spcPct val="100000"/>
               </a:lnSpc>
             </a:pPr>
-            <a:fld id="{08E9690D-9C99-430B-91D2-6B9B80B763DB}" type="slidenum">
+            <a:fld id="{98A011C1-4832-43DC-9D05-BE90CEAE076A}" type="slidenum">
               <a:rPr lang="en-US" sz="1000" spc="-4" strike="noStrike">
                 <a:solidFill>
                   <a:srgbClr val="d2d2d2"/>
@@ -6515,7 +6515,7 @@
                 <a:spcPct val="100000"/>
               </a:lnSpc>
             </a:pPr>
-            <a:fld id="{17F30731-93ED-45B8-9C52-DEAF94D23C29}" type="slidenum">
+            <a:fld id="{63A76406-F539-43FD-B115-682408D4F69A}" type="slidenum">
               <a:rPr lang="en-US" sz="1000" spc="-4" strike="noStrike">
                 <a:solidFill>
                   <a:srgbClr val="d2d2d2"/>
@@ -6943,7 +6943,7 @@
                 <a:spcPct val="100000"/>
               </a:lnSpc>
             </a:pPr>
-            <a:fld id="{2D89650F-2CC5-4E0F-99C6-84FC8BEC84AF}" type="slidenum">
+            <a:fld id="{C8FC20C4-0439-473B-BAE0-3A519A6BF466}" type="slidenum">
               <a:rPr lang="en-US" sz="1000" spc="-4" strike="noStrike">
                 <a:solidFill>
                   <a:srgbClr val="d2d2d2"/>
@@ -8018,7 +8018,7 @@
                 <a:spcPct val="100000"/>
               </a:lnSpc>
             </a:pPr>
-            <a:fld id="{689F7504-7684-4DF4-9251-1166B95A0E74}" type="slidenum">
+            <a:fld id="{418038EF-6D85-4B62-904C-AEBAEDCE77DE}" type="slidenum">
               <a:rPr lang="en-US" sz="1000" spc="-4" strike="noStrike">
                 <a:solidFill>
                   <a:srgbClr val="d2d2d2"/>
@@ -8840,7 +8840,7 @@
                 <a:spcPct val="100000"/>
               </a:lnSpc>
             </a:pPr>
-            <a:fld id="{B46D9B5B-BD82-4E26-806A-68B9DA8F544E}" type="slidenum">
+            <a:fld id="{D0A3DDB3-B9FD-436B-90E4-347502DD1009}" type="slidenum">
               <a:rPr lang="en-US" sz="1000" spc="-4" strike="noStrike">
                 <a:solidFill>
                   <a:srgbClr val="d2d2d2"/>
@@ -9423,7 +9423,7 @@
                 <a:spcPct val="100000"/>
               </a:lnSpc>
             </a:pPr>
-            <a:fld id="{63E78891-4350-453E-9AF1-0237F7E38DA0}" type="slidenum">
+            <a:fld id="{F4A54166-60DD-4553-BA70-23062EBC248C}" type="slidenum">
               <a:rPr lang="en-US" sz="1000" spc="-4" strike="noStrike">
                 <a:solidFill>
                   <a:srgbClr val="d2d2d2"/>
@@ -10006,7 +10006,7 @@
                 <a:spcPct val="100000"/>
               </a:lnSpc>
             </a:pPr>
-            <a:fld id="{2FDAFAD4-2D49-42B0-B1C6-8A22EA24771D}" type="slidenum">
+            <a:fld id="{2C328B4A-A58E-46A7-8DB2-D62AE1068C79}" type="slidenum">
               <a:rPr lang="en-US" sz="1000" spc="-4" strike="noStrike">
                 <a:solidFill>
                   <a:srgbClr val="d2d2d2"/>
@@ -10419,7 +10419,7 @@
                 <a:spcPct val="100000"/>
               </a:lnSpc>
             </a:pPr>
-            <a:fld id="{EAB77AEB-77E8-4C0D-B2BD-A29984D3954B}" type="slidenum">
+            <a:fld id="{F6C9FBE5-421B-4180-A943-73662ABC69B4}" type="slidenum">
               <a:rPr lang="en-US" sz="1000" spc="-4" strike="noStrike">
                 <a:solidFill>
                   <a:srgbClr val="d2d2d2"/>
@@ -11992,7 +11992,7 @@
                 <a:spcPct val="100000"/>
               </a:lnSpc>
             </a:pPr>
-            <a:fld id="{9D47BC16-EB5C-4370-A1AB-A2C6D29666FC}" type="slidenum">
+            <a:fld id="{7D910212-940B-4742-954B-C530406A3F3D}" type="slidenum">
               <a:rPr lang="en-US" sz="1000" spc="-4" strike="noStrike">
                 <a:solidFill>
                   <a:srgbClr val="d2d2d2"/>
@@ -12906,7 +12906,7 @@
                 <a:spcPct val="100000"/>
               </a:lnSpc>
             </a:pPr>
-            <a:fld id="{6245BD28-484A-4FDB-A764-8318015CDD9B}" type="slidenum">
+            <a:fld id="{E7C0829C-3828-4927-9438-FC82CACCC20B}" type="slidenum">
               <a:rPr lang="en-US" sz="1000" spc="-4" strike="noStrike">
                 <a:solidFill>
                   <a:srgbClr val="d2d2d2"/>
@@ -13503,7 +13503,7 @@
                 <a:spcPct val="100000"/>
               </a:lnSpc>
             </a:pPr>
-            <a:fld id="{93B78EC9-01FC-40EE-A858-A25DC9FA6AC1}" type="slidenum">
+            <a:fld id="{259F89AD-1DA6-49BA-9443-A7324848E834}" type="slidenum">
               <a:rPr lang="en-US" sz="1000" spc="-4" strike="noStrike">
                 <a:solidFill>
                   <a:srgbClr val="d2d2d2"/>
@@ -14298,7 +14298,7 @@
                 <a:spcPct val="100000"/>
               </a:lnSpc>
             </a:pPr>
-            <a:fld id="{E54ADCD5-D219-41F1-97E6-4E9C7E42C164}" type="slidenum">
+            <a:fld id="{2B52B4CA-F819-48F5-B265-187565A8F997}" type="slidenum">
               <a:rPr lang="en-US" sz="1000" spc="-4" strike="noStrike">
                 <a:solidFill>
                   <a:srgbClr val="d2d2d2"/>
@@ -15329,7 +15329,7 @@
                 <a:spcPct val="100000"/>
               </a:lnSpc>
             </a:pPr>
-            <a:fld id="{74CA6B8E-85A2-450D-9E96-E545E0CD53A2}" type="slidenum">
+            <a:fld id="{85ADA8B6-CFF2-4A02-9D03-E4603D13DF90}" type="slidenum">
               <a:rPr lang="en-US" sz="1000" spc="-4" strike="noStrike">
                 <a:solidFill>
                   <a:srgbClr val="d2d2d2"/>
@@ -15722,7 +15722,7 @@
                 <a:spcPct val="100000"/>
               </a:lnSpc>
             </a:pPr>
-            <a:fld id="{B5F47BBB-1D63-44F4-A04A-2EC383D49FDD}" type="slidenum">
+            <a:fld id="{9443E0F3-26C8-45CE-A699-9F92901A20F9}" type="slidenum">
               <a:rPr lang="en-US" sz="1000" spc="-4" strike="noStrike">
                 <a:solidFill>
                   <a:srgbClr val="d2d2d2"/>
@@ -16593,7 +16593,7 @@
                 <a:spcPct val="100000"/>
               </a:lnSpc>
             </a:pPr>
-            <a:fld id="{5312B7B7-2940-4D71-9E3F-888E3E98272B}" type="slidenum">
+            <a:fld id="{08DF4D4C-A99B-4687-86F1-0A990DE9CB61}" type="slidenum">
               <a:rPr lang="en-US" sz="1000" spc="-4" strike="noStrike">
                 <a:solidFill>
                   <a:srgbClr val="d2d2d2"/>
@@ -17412,7 +17412,7 @@
                 <a:spcPct val="100000"/>
               </a:lnSpc>
             </a:pPr>
-            <a:fld id="{9DA08E3B-325F-4FDD-86FD-2B57D52D121B}" type="slidenum">
+            <a:fld id="{7251182F-6ACB-48BD-952F-BDF48EDA317E}" type="slidenum">
               <a:rPr lang="en-US" sz="1000" spc="-4" strike="noStrike">
                 <a:solidFill>
                   <a:srgbClr val="d2d2d2"/>
@@ -18060,7 +18060,7 @@
                 <a:spcPct val="100000"/>
               </a:lnSpc>
             </a:pPr>
-            <a:fld id="{CF80774B-7F52-4D7A-916F-1CC5EB4101A4}" type="slidenum">
+            <a:fld id="{F2EFB844-F866-430E-A515-B3EE2FFDD83D}" type="slidenum">
               <a:rPr lang="en-US" sz="1000" spc="-4" strike="noStrike">
                 <a:solidFill>
                   <a:srgbClr val="d2d2d2"/>
@@ -18574,7 +18574,7 @@
                 <a:spcPct val="100000"/>
               </a:lnSpc>
             </a:pPr>
-            <a:fld id="{8BE0B94B-F33C-4B0B-8C9B-09927A95548D}" type="slidenum">
+            <a:fld id="{A776456F-6C22-48A8-9D94-BCC995CD3AC1}" type="slidenum">
               <a:rPr lang="en-US" sz="1000" spc="-4" strike="noStrike">
                 <a:solidFill>
                   <a:srgbClr val="d2d2d2"/>
@@ -19552,7 +19552,7 @@
                 <a:spcPct val="100000"/>
               </a:lnSpc>
             </a:pPr>
-            <a:fld id="{D087CD61-791D-467A-AA96-BF3EBF77D305}" type="slidenum">
+            <a:fld id="{5AA14FDD-2060-465C-8735-9130F1C8F2C6}" type="slidenum">
               <a:rPr lang="en-US" sz="1000" spc="-4" strike="noStrike">
                 <a:solidFill>
                   <a:srgbClr val="d2d2d2"/>
@@ -20094,7 +20094,7 @@
                 <a:spcPct val="100000"/>
               </a:lnSpc>
             </a:pPr>
-            <a:fld id="{A79400E6-54C4-4E2C-8BD9-182D62D23B0B}" type="slidenum">
+            <a:fld id="{50DA482D-5982-476B-BF8A-73485A4F47B7}" type="slidenum">
               <a:rPr lang="en-US" sz="1000" spc="-4" strike="noStrike">
                 <a:solidFill>
                   <a:srgbClr val="d2d2d2"/>
@@ -20863,7 +20863,7 @@
                 <a:spcPct val="100000"/>
               </a:lnSpc>
             </a:pPr>
-            <a:fld id="{BFE0D55A-A46E-40B4-AE0A-AC882206A9B0}" type="slidenum">
+            <a:fld id="{CCC1F205-9A5B-4E73-8DB6-54CA43441DD0}" type="slidenum">
               <a:rPr lang="en-US" sz="1000" spc="-4" strike="noStrike">
                 <a:solidFill>
                   <a:srgbClr val="d2d2d2"/>
@@ -21477,7 +21477,7 @@
                 <a:spcPct val="100000"/>
               </a:lnSpc>
             </a:pPr>
-            <a:fld id="{D34A66C0-5BA9-4219-A8F9-809D0D5633D2}" type="slidenum">
+            <a:fld id="{A0A8D6FE-E46B-41E6-98C5-5432DFDB9990}" type="slidenum">
               <a:rPr lang="en-US" sz="1000" spc="-4" strike="noStrike">
                 <a:solidFill>
                   <a:srgbClr val="d2d2d2"/>
@@ -22223,7 +22223,7 @@
                 <a:spcPct val="100000"/>
               </a:lnSpc>
             </a:pPr>
-            <a:fld id="{A0D96E9E-108C-44FA-B235-8EB826207516}" type="slidenum">
+            <a:fld id="{2AEE2E97-53FA-4E2B-8FB6-8287A88DB694}" type="slidenum">
               <a:rPr lang="en-US" sz="1000" spc="-4" strike="noStrike">
                 <a:solidFill>
                   <a:srgbClr val="d2d2d2"/>
@@ -22709,7 +22709,7 @@
                 <a:spcPct val="100000"/>
               </a:lnSpc>
             </a:pPr>
-            <a:fld id="{466799F5-06D8-4042-B930-E38625BD1BA2}" type="slidenum">
+            <a:fld id="{B6E6D092-D713-4C45-9021-5376D012438D}" type="slidenum">
               <a:rPr lang="en-US" sz="1000" spc="-4" strike="noStrike">
                 <a:solidFill>
                   <a:srgbClr val="d2d2d2"/>
@@ -23102,7 +23102,7 @@
                 <a:spcPct val="100000"/>
               </a:lnSpc>
             </a:pPr>
-            <a:fld id="{2C5AC29E-6C07-41A9-8CF7-BF3DFF3A570A}" type="slidenum">
+            <a:fld id="{EF6BE791-6612-4410-9B52-4D6FC4D7230D}" type="slidenum">
               <a:rPr lang="en-US" sz="1000" spc="-4" strike="noStrike">
                 <a:solidFill>
                   <a:srgbClr val="d2d2d2"/>
@@ -24283,7 +24283,7 @@
                 <a:spcPct val="100000"/>
               </a:lnSpc>
             </a:pPr>
-            <a:fld id="{8B359601-EC15-4F4A-8178-03FE1962E71F}" type="slidenum">
+            <a:fld id="{3D9DF61E-3330-4110-AB8A-92317299DBB7}" type="slidenum">
               <a:rPr lang="en-US" sz="1000" spc="-4" strike="noStrike">
                 <a:solidFill>
                   <a:srgbClr val="d2d2d2"/>
@@ -25241,7 +25241,7 @@
                 <a:spcPct val="100000"/>
               </a:lnSpc>
             </a:pPr>
-            <a:fld id="{864CA573-2510-4685-9819-88CE09EF8923}" type="slidenum">
+            <a:fld id="{8CEE0A87-2ED6-49AA-BE97-D91947556283}" type="slidenum">
               <a:rPr lang="en-US" sz="1000" spc="-4" strike="noStrike">
                 <a:solidFill>
                   <a:srgbClr val="d2d2d2"/>
@@ -25769,7 +25769,7 @@
                 <a:spcPct val="100000"/>
               </a:lnSpc>
             </a:pPr>
-            <a:fld id="{C848ACE4-1BB5-461D-A7E4-B942A518D2F6}" type="slidenum">
+            <a:fld id="{F904FC36-7DC0-46BD-BCBF-498591D1B4A1}" type="slidenum">
               <a:rPr lang="en-US" sz="1000" spc="-4" strike="noStrike">
                 <a:solidFill>
                   <a:srgbClr val="d2d2d2"/>
@@ -26195,7 +26195,7 @@
                 <a:spcPct val="100000"/>
               </a:lnSpc>
             </a:pPr>
-            <a:fld id="{5D6FC1B3-E13D-4A2F-98B8-15084C2E58A7}" type="slidenum">
+            <a:fld id="{D9C2D744-412F-4D9D-A453-D8E2AF62F2B0}" type="slidenum">
               <a:rPr lang="en-US" sz="1000" spc="-4" strike="noStrike">
                 <a:solidFill>
                   <a:srgbClr val="d2d2d2"/>
@@ -27654,7 +27654,7 @@
                 <a:spcPct val="100000"/>
               </a:lnSpc>
             </a:pPr>
-            <a:fld id="{23125186-59DA-4313-901A-B050E5A41EBE}" type="slidenum">
+            <a:fld id="{0D03839F-64C7-4FD3-B561-C3F478DFA21D}" type="slidenum">
               <a:rPr lang="en-US" sz="1000" spc="-4" strike="noStrike">
                 <a:solidFill>
                   <a:srgbClr val="d2d2d2"/>
@@ -29369,7 +29369,7 @@
                 <a:spcPct val="100000"/>
               </a:lnSpc>
             </a:pPr>
-            <a:fld id="{68AD6993-FDBA-4D63-99B2-FD027395406F}" type="slidenum">
+            <a:fld id="{02791CB3-601C-465F-9002-00EA709F2F45}" type="slidenum">
               <a:rPr lang="en-US" sz="1000" spc="-4" strike="noStrike">
                 <a:solidFill>
                   <a:srgbClr val="d2d2d2"/>
@@ -30462,7 +30462,7 @@
                 <a:spcPct val="100000"/>
               </a:lnSpc>
             </a:pPr>
-            <a:fld id="{CC546FF7-9022-46D6-81F7-AD6DCC11DD8C}" type="slidenum">
+            <a:fld id="{CE479F48-40D7-4B82-8FA3-10FD40394733}" type="slidenum">
               <a:rPr lang="en-US" sz="1000" spc="-4" strike="noStrike">
                 <a:solidFill>
                   <a:srgbClr val="d2d2d2"/>
@@ -31400,7 +31400,7 @@
                 <a:spcPct val="100000"/>
               </a:lnSpc>
             </a:pPr>
-            <a:fld id="{615353D6-7C02-4AA4-B5BF-80DF644CDA55}" type="slidenum">
+            <a:fld id="{A7EBFAC1-F70F-404D-B68B-E4A62782F02E}" type="slidenum">
               <a:rPr lang="en-US" sz="1000" spc="-4" strike="noStrike">
                 <a:solidFill>
                   <a:srgbClr val="d2d2d2"/>
